--- a/000_Lecture_Project/w01_Intro/01_Intro.pptx
+++ b/000_Lecture_Project/w01_Intro/01_Intro.pptx
@@ -295,7 +295,7 @@
             <a:pPr algn="r">
               <a:buNone/>
             </a:pPr>
-            <a:fld id="{1C35EFEE-464D-4290-827C-B13D295F2292}" type="slidenum">
+            <a:fld id="{952AE85A-B4CB-407B-9125-D23234291638}" type="slidenum">
               <a:rPr b="0" lang="en-US" sz="1400" spc="-1" strike="noStrike">
                 <a:latin typeface="Times New Roman"/>
               </a:rPr>
@@ -343,7 +343,7 @@
         <p:spPr>
           <a:xfrm>
             <a:off x="1143000" y="685800"/>
-            <a:ext cx="4551120" cy="3408120"/>
+            <a:ext cx="4550760" cy="3407760"/>
           </a:xfrm>
           <a:prstGeom prst="rect">
             <a:avLst/>
@@ -366,7 +366,7 @@
         <p:spPr>
           <a:xfrm>
             <a:off x="685800" y="4343400"/>
-            <a:ext cx="5465160" cy="4093560"/>
+            <a:ext cx="5464800" cy="4093200"/>
           </a:xfrm>
           <a:prstGeom prst="rect">
             <a:avLst/>
@@ -400,7 +400,7 @@
         <p:spPr>
           <a:xfrm>
             <a:off x="3884760" y="8685360"/>
-            <a:ext cx="2950560" cy="435960"/>
+            <a:ext cx="2950200" cy="435600"/>
           </a:xfrm>
           <a:prstGeom prst="rect">
             <a:avLst/>
@@ -436,7 +436,7 @@
               </a:lnSpc>
               <a:buNone/>
             </a:pPr>
-            <a:fld id="{173C84B9-7DA3-408B-8990-9738D73BF762}" type="slidenum">
+            <a:fld id="{A6C12BCF-7CF1-465E-9855-C4163D399CBF}" type="slidenum">
               <a:rPr b="0" lang="en-US" sz="1200" spc="-1" strike="noStrike">
                 <a:solidFill>
                   <a:srgbClr val="000000"/>
@@ -508,7 +508,7 @@
         <p:txBody>
           <a:bodyPr/>
           <a:p>
-            <a:fld id="{E0664F29-0207-41EB-A20F-EF0271B37FB5}" type="slidenum">
+            <a:fld id="{1C3DED5B-3511-40A1-BD6D-A352F8ED8695}" type="slidenum">
               <a:t>&lt;#&gt;</a:t>
             </a:fld>
           </a:p>
@@ -696,7 +696,7 @@
         <p:txBody>
           <a:bodyPr/>
           <a:p>
-            <a:fld id="{E1A0111E-75A7-4937-B991-12A30403F20E}" type="slidenum">
+            <a:fld id="{ADAB7D0F-52F5-4927-A43D-FF60C21702A2}" type="slidenum">
               <a:t>&lt;#&gt;</a:t>
             </a:fld>
           </a:p>
@@ -952,7 +952,7 @@
         <p:txBody>
           <a:bodyPr/>
           <a:p>
-            <a:fld id="{72C88545-6EDB-4A40-A08E-BFB6126BB385}" type="slidenum">
+            <a:fld id="{1AB42430-9915-44F5-92C0-C808A00FF492}" type="slidenum">
               <a:t>&lt;#&gt;</a:t>
             </a:fld>
           </a:p>
@@ -1276,7 +1276,7 @@
         <p:txBody>
           <a:bodyPr/>
           <a:p>
-            <a:fld id="{6C5070A1-EE66-4244-897A-9DB75A230D0F}" type="slidenum">
+            <a:fld id="{363DE947-AAE2-465E-8CB4-D3FF63A2AF0F}" type="slidenum">
               <a:t>&lt;#&gt;</a:t>
             </a:fld>
           </a:p>
@@ -1359,7 +1359,7 @@
         <p:txBody>
           <a:bodyPr/>
           <a:p>
-            <a:fld id="{C93775D9-09D3-4550-B134-CD4E0254ACA3}" type="slidenum">
+            <a:fld id="{05401D27-3CE0-4A24-9DFC-CAE2891AED21}" type="slidenum">
               <a:t>&lt;#&gt;</a:t>
             </a:fld>
           </a:p>
@@ -1516,7 +1516,7 @@
         <p:txBody>
           <a:bodyPr/>
           <a:p>
-            <a:fld id="{417AEFA2-D1D8-40A1-A2E6-9B25B5BBD6E4}" type="slidenum">
+            <a:fld id="{050D61D5-3608-4075-B85A-BB6BFECBFDD8}" type="slidenum">
               <a:t>&lt;#&gt;</a:t>
             </a:fld>
           </a:p>
@@ -1670,7 +1670,7 @@
         <p:txBody>
           <a:bodyPr/>
           <a:p>
-            <a:fld id="{D0534C02-1898-4078-815F-435115518CE3}" type="slidenum">
+            <a:fld id="{8DA7EEA6-C781-48F5-8747-6572A00FAA4F}" type="slidenum">
               <a:t>&lt;#&gt;</a:t>
             </a:fld>
           </a:p>
@@ -1858,7 +1858,7 @@
         <p:txBody>
           <a:bodyPr/>
           <a:p>
-            <a:fld id="{65E0AEE8-DE5F-4976-88D6-0C9257580F9F}" type="slidenum">
+            <a:fld id="{BA8FAB9C-5464-4FEF-813A-894C1A2D6855}" type="slidenum">
               <a:t>&lt;#&gt;</a:t>
             </a:fld>
           </a:p>
@@ -1978,7 +1978,7 @@
         <p:txBody>
           <a:bodyPr/>
           <a:p>
-            <a:fld id="{6FEF2158-28CB-45DD-B59E-F493A43ED33D}" type="slidenum">
+            <a:fld id="{67CC44E1-101B-43E6-94C9-588E5EE3C435}" type="slidenum">
               <a:t>&lt;#&gt;</a:t>
             </a:fld>
           </a:p>
@@ -2098,7 +2098,7 @@
         <p:txBody>
           <a:bodyPr/>
           <a:p>
-            <a:fld id="{2F6321C3-95AF-43BF-98AB-8F1EF043E9C6}" type="slidenum">
+            <a:fld id="{B3455D0E-E8A1-49BA-8FC1-6DB8381233E8}" type="slidenum">
               <a:t>&lt;#&gt;</a:t>
             </a:fld>
           </a:p>
@@ -2320,7 +2320,7 @@
         <p:txBody>
           <a:bodyPr/>
           <a:p>
-            <a:fld id="{45D88961-6D88-4B81-9AD1-B73C36D97CC1}" type="slidenum">
+            <a:fld id="{BF22D693-04FA-468D-909C-CCA67A462B63}" type="slidenum">
               <a:t>&lt;#&gt;</a:t>
             </a:fld>
           </a:p>
@@ -2477,7 +2477,7 @@
         <p:txBody>
           <a:bodyPr/>
           <a:p>
-            <a:fld id="{8860D6B6-5968-469A-9D2C-57A0E8D422F6}" type="slidenum">
+            <a:fld id="{91AD415B-B8F1-4636-9D6C-6A99600AC6F7}" type="slidenum">
               <a:t>&lt;#&gt;</a:t>
             </a:fld>
           </a:p>
@@ -2699,7 +2699,7 @@
         <p:txBody>
           <a:bodyPr/>
           <a:p>
-            <a:fld id="{AAD36334-9A67-4168-9650-FFD5B5BA363E}" type="slidenum">
+            <a:fld id="{E11C19A0-2E68-4976-B88E-17DC98AEA9B9}" type="slidenum">
               <a:t>&lt;#&gt;</a:t>
             </a:fld>
           </a:p>
@@ -2921,7 +2921,7 @@
         <p:txBody>
           <a:bodyPr/>
           <a:p>
-            <a:fld id="{636B40CA-398F-4410-8818-980776EAE0A3}" type="slidenum">
+            <a:fld id="{B3296704-87D6-4563-877C-BC7B5B64397F}" type="slidenum">
               <a:t>&lt;#&gt;</a:t>
             </a:fld>
           </a:p>
@@ -3109,7 +3109,7 @@
         <p:txBody>
           <a:bodyPr/>
           <a:p>
-            <a:fld id="{C8FB1EE0-D6D5-4131-B7CD-C2C16BDFDD57}" type="slidenum">
+            <a:fld id="{B4AB2ACE-FAAA-4453-A041-E27C9A36C774}" type="slidenum">
               <a:t>&lt;#&gt;</a:t>
             </a:fld>
           </a:p>
@@ -3365,7 +3365,7 @@
         <p:txBody>
           <a:bodyPr/>
           <a:p>
-            <a:fld id="{5223D06B-3B17-4049-B4B1-251A7EE0CE60}" type="slidenum">
+            <a:fld id="{871D82A3-B7B2-4478-81D0-5B3FE83B122D}" type="slidenum">
               <a:t>&lt;#&gt;</a:t>
             </a:fld>
           </a:p>
@@ -3689,7 +3689,7 @@
         <p:txBody>
           <a:bodyPr/>
           <a:p>
-            <a:fld id="{FDF050A4-0348-4454-97C1-CEC911887EF4}" type="slidenum">
+            <a:fld id="{C75CA513-3B16-44E2-8FE2-FAADADDBF709}" type="slidenum">
               <a:t>&lt;#&gt;</a:t>
             </a:fld>
           </a:p>
@@ -3843,7 +3843,7 @@
         <p:txBody>
           <a:bodyPr/>
           <a:p>
-            <a:fld id="{42366363-B992-4B08-B06D-6D509380D437}" type="slidenum">
+            <a:fld id="{57B1414A-3DA8-456B-8EAE-2686366EEFC8}" type="slidenum">
               <a:t>&lt;#&gt;</a:t>
             </a:fld>
           </a:p>
@@ -4031,7 +4031,7 @@
         <p:txBody>
           <a:bodyPr/>
           <a:p>
-            <a:fld id="{0C7E0F1C-D084-4E32-9661-21F83FB2B4C4}" type="slidenum">
+            <a:fld id="{EC97961C-B364-4157-931F-85F087578ADF}" type="slidenum">
               <a:t>&lt;#&gt;</a:t>
             </a:fld>
           </a:p>
@@ -4151,7 +4151,7 @@
         <p:txBody>
           <a:bodyPr/>
           <a:p>
-            <a:fld id="{3435BA30-AB0B-4CA5-8395-51867FEF5D21}" type="slidenum">
+            <a:fld id="{EE9644D2-DCA4-4F3E-8177-D4A6E1FE5B25}" type="slidenum">
               <a:t>&lt;#&gt;</a:t>
             </a:fld>
           </a:p>
@@ -4271,7 +4271,7 @@
         <p:txBody>
           <a:bodyPr/>
           <a:p>
-            <a:fld id="{9ADEB9F8-8D44-42FB-B320-2A6BE892C662}" type="slidenum">
+            <a:fld id="{E08DE77F-9FDB-47F9-A593-37C0D3ACE569}" type="slidenum">
               <a:t>&lt;#&gt;</a:t>
             </a:fld>
           </a:p>
@@ -4493,7 +4493,7 @@
         <p:txBody>
           <a:bodyPr/>
           <a:p>
-            <a:fld id="{7B97535F-1A0F-4745-94CE-33B26521FA76}" type="slidenum">
+            <a:fld id="{60FB056F-0333-4303-98CC-5F6F34ECD84F}" type="slidenum">
               <a:t>&lt;#&gt;</a:t>
             </a:fld>
           </a:p>
@@ -4715,7 +4715,7 @@
         <p:txBody>
           <a:bodyPr/>
           <a:p>
-            <a:fld id="{94E682E3-4432-46B9-BF0D-3A762B5E0E5A}" type="slidenum">
+            <a:fld id="{F7F6CD5B-6938-4139-B28F-18385B68E8D4}" type="slidenum">
               <a:t>&lt;#&gt;</a:t>
             </a:fld>
           </a:p>
@@ -4937,7 +4937,7 @@
         <p:txBody>
           <a:bodyPr/>
           <a:p>
-            <a:fld id="{29123E39-E01D-46CB-B4EF-34EE27727A8E}" type="slidenum">
+            <a:fld id="{8BE15FCD-365F-4B44-B684-41060F49A518}" type="slidenum">
               <a:t>&lt;#&gt;</a:t>
             </a:fld>
           </a:p>
@@ -5006,7 +5006,7 @@
         <p:spPr>
           <a:xfrm>
             <a:off x="3124080" y="6356520"/>
-            <a:ext cx="2874240" cy="343800"/>
+            <a:ext cx="2873880" cy="343440"/>
           </a:xfrm>
           <a:prstGeom prst="rect">
             <a:avLst/>
@@ -5071,7 +5071,7 @@
         <p:spPr>
           <a:xfrm>
             <a:off x="6553080" y="6356520"/>
-            <a:ext cx="2112480" cy="343800"/>
+            <a:ext cx="2112120" cy="343440"/>
           </a:xfrm>
           <a:prstGeom prst="rect">
             <a:avLst/>
@@ -5107,7 +5107,7 @@
               </a:lnSpc>
               <a:buNone/>
             </a:pPr>
-            <a:fld id="{E871C7FF-1A41-435B-9D7D-1DCCECEC98AE}" type="slidenum">
+            <a:fld id="{6EE6F497-E4B4-4653-9EFF-EAEB6CB786BB}" type="slidenum">
               <a:rPr b="0" lang="en-US" sz="1200" spc="-1" strike="noStrike">
                 <a:solidFill>
                   <a:srgbClr val="8b8b8b"/>
@@ -5136,7 +5136,7 @@
         <p:spPr>
           <a:xfrm>
             <a:off x="457200" y="6356520"/>
-            <a:ext cx="2112480" cy="343800"/>
+            <a:ext cx="2112120" cy="343440"/>
           </a:xfrm>
           <a:prstGeom prst="rect">
             <a:avLst/>
@@ -5453,7 +5453,7 @@
         <p:spPr>
           <a:xfrm>
             <a:off x="3124080" y="6356520"/>
-            <a:ext cx="2874240" cy="343800"/>
+            <a:ext cx="2873880" cy="343440"/>
           </a:xfrm>
           <a:prstGeom prst="rect">
             <a:avLst/>
@@ -5518,7 +5518,7 @@
         <p:spPr>
           <a:xfrm>
             <a:off x="6553080" y="6356520"/>
-            <a:ext cx="2112480" cy="343800"/>
+            <a:ext cx="2112120" cy="343440"/>
           </a:xfrm>
           <a:prstGeom prst="rect">
             <a:avLst/>
@@ -5554,7 +5554,7 @@
               </a:lnSpc>
               <a:buNone/>
             </a:pPr>
-            <a:fld id="{8A12BE0F-BEEF-403E-86ED-2604268AA10A}" type="slidenum">
+            <a:fld id="{502C3E4D-6D53-4AF1-9EF9-D72A160FB875}" type="slidenum">
               <a:rPr b="0" lang="en-US" sz="1200" spc="-1" strike="noStrike">
                 <a:solidFill>
                   <a:srgbClr val="8b8b8b"/>
@@ -5583,7 +5583,7 @@
         <p:spPr>
           <a:xfrm>
             <a:off x="457200" y="6356520"/>
-            <a:ext cx="2112480" cy="343800"/>
+            <a:ext cx="2112120" cy="343440"/>
           </a:xfrm>
           <a:prstGeom prst="rect">
             <a:avLst/>
@@ -5893,7 +5893,7 @@
         <p:spPr>
           <a:xfrm>
             <a:off x="0" y="2130480"/>
-            <a:ext cx="9142560" cy="1448640"/>
+            <a:ext cx="9142200" cy="1448280"/>
           </a:xfrm>
           <a:prstGeom prst="rect">
             <a:avLst/>
@@ -5945,7 +5945,7 @@
         <p:spPr>
           <a:xfrm>
             <a:off x="1371600" y="4563360"/>
-            <a:ext cx="6379560" cy="673560"/>
+            <a:ext cx="6379200" cy="673200"/>
           </a:xfrm>
           <a:prstGeom prst="rect">
             <a:avLst/>
@@ -6001,7 +6001,7 @@
         <p:spPr>
           <a:xfrm>
             <a:off x="4212000" y="3645000"/>
-            <a:ext cx="920520" cy="891720"/>
+            <a:ext cx="920160" cy="891360"/>
           </a:xfrm>
           <a:prstGeom prst="rect">
             <a:avLst/>
@@ -6025,7 +6025,7 @@
         <p:txBody>
           <a:bodyPr/>
           <a:p>
-            <a:fld id="{69A8C91C-7362-4732-8301-A8685957A93D}" type="slidenum">
+            <a:fld id="{F6EAEC1F-526A-4BC0-B36B-F162CAA25625}" type="slidenum">
               <a:t>1</a:t>
             </a:fld>
           </a:p>
@@ -6045,9 +6045,9 @@
         <p:txBody>
           <a:bodyPr/>
           <a:p>
-            <a:fld id="{1FE036A2-7774-4CAC-965E-E1F3DB567F55}" type="datetime1">
+            <a:fld id="{36B247CD-3DAE-400B-B4EA-33B3FA744043}" type="datetime1">
               <a:rPr lang="en-US"/>
-              <a:t>11/26/2023</a:t>
+              <a:t>01/18/2024</a:t>
             </a:fld>
           </a:p>
         </p:txBody>
@@ -6095,7 +6095,7 @@
         <p:spPr>
           <a:xfrm>
             <a:off x="0" y="0"/>
-            <a:ext cx="9141840" cy="743400"/>
+            <a:ext cx="9141480" cy="743040"/>
           </a:xfrm>
           <a:prstGeom prst="rect">
             <a:avLst/>
@@ -6154,8 +6154,8 @@
         </p:nvSpPr>
         <p:spPr>
           <a:xfrm>
-            <a:off x="232200" y="1302120"/>
-            <a:ext cx="8667360" cy="2126520"/>
+            <a:off x="228600" y="1302120"/>
+            <a:ext cx="8667000" cy="4870080"/>
           </a:xfrm>
           <a:prstGeom prst="rect">
             <a:avLst/>
@@ -6277,7 +6277,7 @@
                 <a:latin typeface="Calibri"/>
                 <a:ea typeface="DejaVu Sans"/>
               </a:rPr>
-              <a:t>We will use Python, Keras, Tensorflow, and PyTorch.</a:t>
+              <a:t>We will use Python, Keras, Tensorflow, and PyTorch (Optional).</a:t>
             </a:r>
             <a:endParaRPr b="0" lang="en-US" sz="1300" spc="-1" strike="noStrike">
               <a:latin typeface="Arial"/>
@@ -6305,7 +6305,7 @@
                 <a:latin typeface="Calibri"/>
                 <a:ea typeface="DejaVu Sans"/>
               </a:rPr>
-              <a:t>Deep Learning has a lot of concepts in mathematics and statistics. We will use simple dataset to describe the concepts.</a:t>
+              <a:t>Deep Learning mainly focus on the implementation of Neural Network Model for prediction: </a:t>
             </a:r>
             <a:endParaRPr b="0" lang="en-US" sz="1300" spc="-1" strike="noStrike">
               <a:latin typeface="Arial"/>
@@ -6333,7 +6333,157 @@
                 <a:latin typeface="Calibri"/>
                 <a:ea typeface="DejaVu Sans"/>
               </a:rPr>
-              <a:t>NVIDIA Titan RTX GPU is used for deep learning job. You can add the graphic card on your computer.</a:t>
+              <a:t>1. Concepts in mathematics and statistics: </a:t>
+            </a:r>
+            <a:r>
+              <a:rPr b="0" lang="en-US" sz="1300" spc="-1" strike="noStrike">
+                <a:solidFill>
+                  <a:srgbClr val="000000"/>
+                </a:solidFill>
+                <a:latin typeface="Calibri"/>
+                <a:ea typeface="DejaVu Sans"/>
+              </a:rPr>
+              <a:t>In Machine Learning class, we use numpy library and scikit-learn library for matrix operation and statistical regression modeling. In Deep Learning, we will use them to convert the dataset into tensor.</a:t>
+            </a:r>
+            <a:endParaRPr b="0" lang="en-US" sz="1300" spc="-1" strike="noStrike">
+              <a:latin typeface="Arial"/>
+            </a:endParaRPr>
+          </a:p>
+          <a:p>
+            <a:pPr marL="465120" indent="-465120">
+              <a:lnSpc>
+                <a:spcPct val="100000"/>
+              </a:lnSpc>
+              <a:spcBef>
+                <a:spcPts val="360"/>
+              </a:spcBef>
+              <a:buClr>
+                <a:srgbClr val="0070c0"/>
+              </a:buClr>
+              <a:buFont typeface="Wingdings" charset="2"/>
+              <a:buChar char=""/>
+            </a:pPr>
+            <a:r>
+              <a:rPr b="0" lang="en-US" sz="1300" spc="-1" strike="noStrike">
+                <a:solidFill>
+                  <a:srgbClr val="000000"/>
+                </a:solidFill>
+                <a:latin typeface="Calibri"/>
+                <a:ea typeface="DejaVu Sans"/>
+              </a:rPr>
+              <a:t>2. Implement Model with Neural network: In Deep Learning, we create model and train the model in neural network instead of statistical regression model.  We will use Tensorflow (Google open source framework) with Keras API (open-source library).</a:t>
+            </a:r>
+            <a:endParaRPr b="0" lang="en-US" sz="1300" spc="-1" strike="noStrike">
+              <a:latin typeface="Arial"/>
+            </a:endParaRPr>
+          </a:p>
+          <a:p>
+            <a:pPr marL="465120" indent="-465120">
+              <a:lnSpc>
+                <a:spcPct val="100000"/>
+              </a:lnSpc>
+              <a:spcBef>
+                <a:spcPts val="360"/>
+              </a:spcBef>
+              <a:buClr>
+                <a:srgbClr val="0070c0"/>
+              </a:buClr>
+              <a:buFont typeface="Wingdings" charset="2"/>
+              <a:buChar char=""/>
+            </a:pPr>
+            <a:r>
+              <a:rPr b="0" lang="en-US" sz="1300" spc="-1" strike="noStrike">
+                <a:solidFill>
+                  <a:srgbClr val="000000"/>
+                </a:solidFill>
+                <a:latin typeface="Calibri"/>
+                <a:ea typeface="DejaVu Sans"/>
+              </a:rPr>
+              <a:t>For porojects:</a:t>
+            </a:r>
+            <a:endParaRPr b="0" lang="en-US" sz="1300" spc="-1" strike="noStrike">
+              <a:latin typeface="Arial"/>
+            </a:endParaRPr>
+          </a:p>
+          <a:p>
+            <a:pPr marL="465120" indent="-465120">
+              <a:lnSpc>
+                <a:spcPct val="100000"/>
+              </a:lnSpc>
+              <a:spcBef>
+                <a:spcPts val="360"/>
+              </a:spcBef>
+              <a:buClr>
+                <a:srgbClr val="0070c0"/>
+              </a:buClr>
+              <a:buFont typeface="Wingdings" charset="2"/>
+              <a:buChar char=""/>
+            </a:pPr>
+            <a:r>
+              <a:rPr b="0" lang="en-US" sz="1300" spc="-1" strike="noStrike">
+                <a:solidFill>
+                  <a:srgbClr val="000000"/>
+                </a:solidFill>
+                <a:latin typeface="Calibri"/>
+                <a:ea typeface="DejaVu Sans"/>
+              </a:rPr>
+              <a:t>1. For small Model (Hand-Writing Digit Model), we use Intel-based computer with NVIDIA GeForce RTX GPU with 5GB VRAM (Video RAM).</a:t>
+            </a:r>
+            <a:endParaRPr b="0" lang="en-US" sz="1300" spc="-1" strike="noStrike">
+              <a:latin typeface="Arial"/>
+            </a:endParaRPr>
+          </a:p>
+          <a:p>
+            <a:pPr marL="465120" indent="-465120">
+              <a:lnSpc>
+                <a:spcPct val="100000"/>
+              </a:lnSpc>
+              <a:spcBef>
+                <a:spcPts val="360"/>
+              </a:spcBef>
+              <a:buClr>
+                <a:srgbClr val="0070c0"/>
+              </a:buClr>
+              <a:buFont typeface="Wingdings" charset="2"/>
+              <a:buChar char=""/>
+            </a:pPr>
+            <a:r>
+              <a:rPr b="0" lang="en-US" sz="1300" spc="-1" strike="noStrike">
+                <a:solidFill>
+                  <a:srgbClr val="000000"/>
+                </a:solidFill>
+                <a:latin typeface="Calibri"/>
+                <a:ea typeface="DejaVu Sans"/>
+              </a:rPr>
+              <a:t>2. For medium Model: such as, Potatoes Disease Model, ChatBot with Google BERT encoder/decoder and Google pre-trained LLM (Large Language Model) PaLM (Pathway Language Model), we use free Google Colab. Colab uses Tesla K80 GPU with 17 GB VRAM and Google TPU (Tensor Processing Unit). Both Tesla K80 and TPU are ASICs (Application-Specific Integrated Circuits).</a:t>
+            </a:r>
+            <a:endParaRPr b="0" lang="en-US" sz="1300" spc="-1" strike="noStrike">
+              <a:latin typeface="Arial"/>
+            </a:endParaRPr>
+          </a:p>
+          <a:p>
+            <a:pPr marL="465120" indent="-465120">
+              <a:lnSpc>
+                <a:spcPct val="100000"/>
+              </a:lnSpc>
+              <a:spcBef>
+                <a:spcPts val="360"/>
+              </a:spcBef>
+              <a:buClr>
+                <a:srgbClr val="0070c0"/>
+              </a:buClr>
+              <a:buFont typeface="Wingdings" charset="2"/>
+              <a:buChar char=""/>
+            </a:pPr>
+            <a:r>
+              <a:rPr b="0" lang="en-US" sz="1300" spc="-1" strike="noStrike">
+                <a:solidFill>
+                  <a:srgbClr val="000000"/>
+                </a:solidFill>
+                <a:latin typeface="Calibri"/>
+                <a:ea typeface="DejaVu Sans"/>
+              </a:rPr>
+              <a:t>3. For very Model (train Google BERT and train Google LLM PaLM), we don’t have these kinds of project. We will need to pay GCP (Google Cloud Platform), AWS, Microsoft Azure, etc.</a:t>
             </a:r>
             <a:endParaRPr b="0" lang="en-US" sz="1300" spc="-1" strike="noStrike">
               <a:latin typeface="Arial"/>
@@ -6350,7 +6500,7 @@
         <p:spPr>
           <a:xfrm>
             <a:off x="2880" y="759600"/>
-            <a:ext cx="9138960" cy="338760"/>
+            <a:ext cx="9138600" cy="338400"/>
           </a:xfrm>
           <a:prstGeom prst="rect">
             <a:avLst/>
@@ -6416,7 +6566,7 @@
         <p:spPr>
           <a:xfrm>
             <a:off x="6553080" y="6356520"/>
-            <a:ext cx="2112480" cy="343800"/>
+            <a:ext cx="2112120" cy="343440"/>
           </a:xfrm>
           <a:prstGeom prst="rect">
             <a:avLst/>
@@ -6452,7 +6602,7 @@
               </a:lnSpc>
               <a:buNone/>
             </a:pPr>
-            <a:fld id="{DB01C373-C96C-4E63-896D-C764F1D9D77B}" type="slidenum">
+            <a:fld id="{22C48031-7349-427B-BE74-971C254FAC36}" type="slidenum">
               <a:rPr b="0" lang="en-US" sz="1200" spc="-1" strike="noStrike">
                 <a:solidFill>
                   <a:srgbClr val="8b8b8b"/>
@@ -6482,9 +6632,9 @@
         <p:txBody>
           <a:bodyPr/>
           <a:p>
-            <a:fld id="{A1A46E61-5B9F-4428-A48F-D26B172ACA9E}" type="datetime1">
+            <a:fld id="{9C66E8AA-B229-4114-8869-453891DF0F97}" type="datetime1">
               <a:rPr lang="en-US"/>
-              <a:t>11/26/2023</a:t>
+              <a:t>01/18/2024</a:t>
             </a:fld>
           </a:p>
         </p:txBody>
@@ -6532,7 +6682,7 @@
         <p:spPr>
           <a:xfrm>
             <a:off x="0" y="2130480"/>
-            <a:ext cx="9122760" cy="1448640"/>
+            <a:ext cx="9122400" cy="1448280"/>
           </a:xfrm>
           <a:prstGeom prst="rect">
             <a:avLst/>
@@ -6593,7 +6743,7 @@
         <p:txBody>
           <a:bodyPr/>
           <a:p>
-            <a:fld id="{5E58EB90-F566-49F0-88F7-5A0E08BC3A9F}" type="slidenum">
+            <a:fld id="{FF563B95-1BC1-4855-91F6-82E32409E3EE}" type="slidenum">
               <a:t>3</a:t>
             </a:fld>
           </a:p>
@@ -6613,9 +6763,9 @@
         <p:txBody>
           <a:bodyPr/>
           <a:p>
-            <a:fld id="{DB9AA6DB-654E-43B0-9CF7-1E9CB781AFEE}" type="datetime1">
+            <a:fld id="{3EB23C45-1AE7-4998-8DA3-39331EAC6823}" type="datetime1">
               <a:rPr lang="en-US"/>
-              <a:t>11/26/2023</a:t>
+              <a:t>01/18/2024</a:t>
             </a:fld>
           </a:p>
         </p:txBody>

--- a/000_Lecture_Project/w01_Intro/01_Intro.pptx
+++ b/000_Lecture_Project/w01_Intro/01_Intro.pptx
@@ -295,7 +295,7 @@
             <a:pPr algn="r">
               <a:buNone/>
             </a:pPr>
-            <a:fld id="{952AE85A-B4CB-407B-9125-D23234291638}" type="slidenum">
+            <a:fld id="{DA25006D-604D-4269-A4AD-15B30B4624DC}" type="slidenum">
               <a:rPr b="0" lang="en-US" sz="1400" spc="-1" strike="noStrike">
                 <a:latin typeface="Times New Roman"/>
               </a:rPr>
@@ -343,7 +343,7 @@
         <p:spPr>
           <a:xfrm>
             <a:off x="1143000" y="685800"/>
-            <a:ext cx="4550760" cy="3407760"/>
+            <a:ext cx="4550400" cy="3407400"/>
           </a:xfrm>
           <a:prstGeom prst="rect">
             <a:avLst/>
@@ -366,7 +366,7 @@
         <p:spPr>
           <a:xfrm>
             <a:off x="685800" y="4343400"/>
-            <a:ext cx="5464800" cy="4093200"/>
+            <a:ext cx="5464440" cy="4092840"/>
           </a:xfrm>
           <a:prstGeom prst="rect">
             <a:avLst/>
@@ -400,7 +400,7 @@
         <p:spPr>
           <a:xfrm>
             <a:off x="3884760" y="8685360"/>
-            <a:ext cx="2950200" cy="435600"/>
+            <a:ext cx="2949840" cy="435240"/>
           </a:xfrm>
           <a:prstGeom prst="rect">
             <a:avLst/>
@@ -436,7 +436,7 @@
               </a:lnSpc>
               <a:buNone/>
             </a:pPr>
-            <a:fld id="{A6C12BCF-7CF1-465E-9855-C4163D399CBF}" type="slidenum">
+            <a:fld id="{E18FEEAA-3322-4DF9-A7A6-FDEC7BAB4922}" type="slidenum">
               <a:rPr b="0" lang="en-US" sz="1200" spc="-1" strike="noStrike">
                 <a:solidFill>
                   <a:srgbClr val="000000"/>
@@ -508,7 +508,7 @@
         <p:txBody>
           <a:bodyPr/>
           <a:p>
-            <a:fld id="{1C3DED5B-3511-40A1-BD6D-A352F8ED8695}" type="slidenum">
+            <a:fld id="{CE1D5DBA-DBB3-4881-A8CD-66A49C1A8A92}" type="slidenum">
               <a:t>&lt;#&gt;</a:t>
             </a:fld>
           </a:p>
@@ -696,7 +696,7 @@
         <p:txBody>
           <a:bodyPr/>
           <a:p>
-            <a:fld id="{ADAB7D0F-52F5-4927-A43D-FF60C21702A2}" type="slidenum">
+            <a:fld id="{88632800-2198-4A4F-A56B-8B0728C43306}" type="slidenum">
               <a:t>&lt;#&gt;</a:t>
             </a:fld>
           </a:p>
@@ -952,7 +952,7 @@
         <p:txBody>
           <a:bodyPr/>
           <a:p>
-            <a:fld id="{1AB42430-9915-44F5-92C0-C808A00FF492}" type="slidenum">
+            <a:fld id="{674705E8-D3F8-43FF-8E95-414F7936C5CB}" type="slidenum">
               <a:t>&lt;#&gt;</a:t>
             </a:fld>
           </a:p>
@@ -1276,7 +1276,7 @@
         <p:txBody>
           <a:bodyPr/>
           <a:p>
-            <a:fld id="{363DE947-AAE2-465E-8CB4-D3FF63A2AF0F}" type="slidenum">
+            <a:fld id="{A9F3FB4D-ECFB-4821-A7F6-A8A9294A119D}" type="slidenum">
               <a:t>&lt;#&gt;</a:t>
             </a:fld>
           </a:p>
@@ -1359,7 +1359,7 @@
         <p:txBody>
           <a:bodyPr/>
           <a:p>
-            <a:fld id="{05401D27-3CE0-4A24-9DFC-CAE2891AED21}" type="slidenum">
+            <a:fld id="{0BBDE8EA-D2B9-4D1A-96F9-9E437D187259}" type="slidenum">
               <a:t>&lt;#&gt;</a:t>
             </a:fld>
           </a:p>
@@ -1516,7 +1516,7 @@
         <p:txBody>
           <a:bodyPr/>
           <a:p>
-            <a:fld id="{050D61D5-3608-4075-B85A-BB6BFECBFDD8}" type="slidenum">
+            <a:fld id="{30CBEF93-6BAE-4DDD-B7F6-2F498D202DB4}" type="slidenum">
               <a:t>&lt;#&gt;</a:t>
             </a:fld>
           </a:p>
@@ -1670,7 +1670,7 @@
         <p:txBody>
           <a:bodyPr/>
           <a:p>
-            <a:fld id="{8DA7EEA6-C781-48F5-8747-6572A00FAA4F}" type="slidenum">
+            <a:fld id="{C4B4B6C1-3F04-42AA-BECF-BFE44C3592CB}" type="slidenum">
               <a:t>&lt;#&gt;</a:t>
             </a:fld>
           </a:p>
@@ -1858,7 +1858,7 @@
         <p:txBody>
           <a:bodyPr/>
           <a:p>
-            <a:fld id="{BA8FAB9C-5464-4FEF-813A-894C1A2D6855}" type="slidenum">
+            <a:fld id="{ACC46F66-E81A-4093-BE8E-542545B1995D}" type="slidenum">
               <a:t>&lt;#&gt;</a:t>
             </a:fld>
           </a:p>
@@ -1978,7 +1978,7 @@
         <p:txBody>
           <a:bodyPr/>
           <a:p>
-            <a:fld id="{67CC44E1-101B-43E6-94C9-588E5EE3C435}" type="slidenum">
+            <a:fld id="{3B33AAB5-1465-4A93-B78A-87633D4722C7}" type="slidenum">
               <a:t>&lt;#&gt;</a:t>
             </a:fld>
           </a:p>
@@ -2098,7 +2098,7 @@
         <p:txBody>
           <a:bodyPr/>
           <a:p>
-            <a:fld id="{B3455D0E-E8A1-49BA-8FC1-6DB8381233E8}" type="slidenum">
+            <a:fld id="{4C2BF37F-2B38-41B8-BEBA-DAF525272695}" type="slidenum">
               <a:t>&lt;#&gt;</a:t>
             </a:fld>
           </a:p>
@@ -2320,7 +2320,7 @@
         <p:txBody>
           <a:bodyPr/>
           <a:p>
-            <a:fld id="{BF22D693-04FA-468D-909C-CCA67A462B63}" type="slidenum">
+            <a:fld id="{CE261323-59DD-4F96-AE97-0637C901FE3A}" type="slidenum">
               <a:t>&lt;#&gt;</a:t>
             </a:fld>
           </a:p>
@@ -2477,7 +2477,7 @@
         <p:txBody>
           <a:bodyPr/>
           <a:p>
-            <a:fld id="{91AD415B-B8F1-4636-9D6C-6A99600AC6F7}" type="slidenum">
+            <a:fld id="{806B1B5E-591D-4034-953C-126E1957F911}" type="slidenum">
               <a:t>&lt;#&gt;</a:t>
             </a:fld>
           </a:p>
@@ -2699,7 +2699,7 @@
         <p:txBody>
           <a:bodyPr/>
           <a:p>
-            <a:fld id="{E11C19A0-2E68-4976-B88E-17DC98AEA9B9}" type="slidenum">
+            <a:fld id="{CDBB7824-6761-4DBD-8270-0F0A97D4C174}" type="slidenum">
               <a:t>&lt;#&gt;</a:t>
             </a:fld>
           </a:p>
@@ -2921,7 +2921,7 @@
         <p:txBody>
           <a:bodyPr/>
           <a:p>
-            <a:fld id="{B3296704-87D6-4563-877C-BC7B5B64397F}" type="slidenum">
+            <a:fld id="{3CADCF8E-D79E-431A-ADFC-8F6F3406FF15}" type="slidenum">
               <a:t>&lt;#&gt;</a:t>
             </a:fld>
           </a:p>
@@ -3109,7 +3109,7 @@
         <p:txBody>
           <a:bodyPr/>
           <a:p>
-            <a:fld id="{B4AB2ACE-FAAA-4453-A041-E27C9A36C774}" type="slidenum">
+            <a:fld id="{9A4C3D6A-01E3-4C3F-8498-99A8D1B547D0}" type="slidenum">
               <a:t>&lt;#&gt;</a:t>
             </a:fld>
           </a:p>
@@ -3365,7 +3365,7 @@
         <p:txBody>
           <a:bodyPr/>
           <a:p>
-            <a:fld id="{871D82A3-B7B2-4478-81D0-5B3FE83B122D}" type="slidenum">
+            <a:fld id="{C4B5E1F9-346F-4CA8-98B6-56BE6DEC9C80}" type="slidenum">
               <a:t>&lt;#&gt;</a:t>
             </a:fld>
           </a:p>
@@ -3689,7 +3689,7 @@
         <p:txBody>
           <a:bodyPr/>
           <a:p>
-            <a:fld id="{C75CA513-3B16-44E2-8FE2-FAADADDBF709}" type="slidenum">
+            <a:fld id="{5118E9A8-7202-46B3-AAF5-542A6BE5F540}" type="slidenum">
               <a:t>&lt;#&gt;</a:t>
             </a:fld>
           </a:p>
@@ -3843,7 +3843,7 @@
         <p:txBody>
           <a:bodyPr/>
           <a:p>
-            <a:fld id="{57B1414A-3DA8-456B-8EAE-2686366EEFC8}" type="slidenum">
+            <a:fld id="{C54BFB2F-A4D6-47FF-A32D-5C76F06F4628}" type="slidenum">
               <a:t>&lt;#&gt;</a:t>
             </a:fld>
           </a:p>
@@ -4031,7 +4031,7 @@
         <p:txBody>
           <a:bodyPr/>
           <a:p>
-            <a:fld id="{EC97961C-B364-4157-931F-85F087578ADF}" type="slidenum">
+            <a:fld id="{BEB5A271-58D8-48EF-8FF6-8F1800F1A3FD}" type="slidenum">
               <a:t>&lt;#&gt;</a:t>
             </a:fld>
           </a:p>
@@ -4151,7 +4151,7 @@
         <p:txBody>
           <a:bodyPr/>
           <a:p>
-            <a:fld id="{EE9644D2-DCA4-4F3E-8177-D4A6E1FE5B25}" type="slidenum">
+            <a:fld id="{0D673D76-B926-424A-A641-659E7897624D}" type="slidenum">
               <a:t>&lt;#&gt;</a:t>
             </a:fld>
           </a:p>
@@ -4271,7 +4271,7 @@
         <p:txBody>
           <a:bodyPr/>
           <a:p>
-            <a:fld id="{E08DE77F-9FDB-47F9-A593-37C0D3ACE569}" type="slidenum">
+            <a:fld id="{03E84FB9-BE0C-44E6-91B6-BB390B06C464}" type="slidenum">
               <a:t>&lt;#&gt;</a:t>
             </a:fld>
           </a:p>
@@ -4493,7 +4493,7 @@
         <p:txBody>
           <a:bodyPr/>
           <a:p>
-            <a:fld id="{60FB056F-0333-4303-98CC-5F6F34ECD84F}" type="slidenum">
+            <a:fld id="{70A6D313-6845-47C8-A6F9-BE9C74D2BC4E}" type="slidenum">
               <a:t>&lt;#&gt;</a:t>
             </a:fld>
           </a:p>
@@ -4715,7 +4715,7 @@
         <p:txBody>
           <a:bodyPr/>
           <a:p>
-            <a:fld id="{F7F6CD5B-6938-4139-B28F-18385B68E8D4}" type="slidenum">
+            <a:fld id="{B7D3558D-0D49-4E4A-9C52-A37F281D70C7}" type="slidenum">
               <a:t>&lt;#&gt;</a:t>
             </a:fld>
           </a:p>
@@ -4937,7 +4937,7 @@
         <p:txBody>
           <a:bodyPr/>
           <a:p>
-            <a:fld id="{8BE15FCD-365F-4B44-B684-41060F49A518}" type="slidenum">
+            <a:fld id="{D620B3CC-2E43-4128-A2F3-818535143A0C}" type="slidenum">
               <a:t>&lt;#&gt;</a:t>
             </a:fld>
           </a:p>
@@ -5006,7 +5006,7 @@
         <p:spPr>
           <a:xfrm>
             <a:off x="3124080" y="6356520"/>
-            <a:ext cx="2873880" cy="343440"/>
+            <a:ext cx="2873520" cy="343080"/>
           </a:xfrm>
           <a:prstGeom prst="rect">
             <a:avLst/>
@@ -5050,7 +5050,7 @@
                 <a:latin typeface="Times New Roman"/>
                 <a:ea typeface="DejaVu Sans"/>
               </a:rPr>
-              <a:t>&lt;footer&gt;</a:t>
+              <a:t> </a:t>
             </a:r>
             <a:endParaRPr b="0" lang="en-US" sz="1400" spc="-1" strike="noStrike">
               <a:latin typeface="Times New Roman"/>
@@ -5071,7 +5071,7 @@
         <p:spPr>
           <a:xfrm>
             <a:off x="6553080" y="6356520"/>
-            <a:ext cx="2112120" cy="343440"/>
+            <a:ext cx="2111760" cy="343080"/>
           </a:xfrm>
           <a:prstGeom prst="rect">
             <a:avLst/>
@@ -5107,7 +5107,7 @@
               </a:lnSpc>
               <a:buNone/>
             </a:pPr>
-            <a:fld id="{6EE6F497-E4B4-4653-9EFF-EAEB6CB786BB}" type="slidenum">
+            <a:fld id="{F7273CD9-29BB-4E7F-A942-E0F566A1DB6B}" type="slidenum">
               <a:rPr b="0" lang="en-US" sz="1200" spc="-1" strike="noStrike">
                 <a:solidFill>
                   <a:srgbClr val="8b8b8b"/>
@@ -5115,7 +5115,7 @@
                 <a:latin typeface="Calibri"/>
                 <a:ea typeface="DejaVu Sans"/>
               </a:rPr>
-              <a:t>&lt;number&gt;</a:t>
+              <a:t>2</a:t>
             </a:fld>
             <a:endParaRPr b="0" lang="en-US" sz="1200" spc="-1" strike="noStrike">
               <a:latin typeface="Times New Roman"/>
@@ -5136,7 +5136,7 @@
         <p:spPr>
           <a:xfrm>
             <a:off x="457200" y="6356520"/>
-            <a:ext cx="2112120" cy="343440"/>
+            <a:ext cx="2111760" cy="343080"/>
           </a:xfrm>
           <a:prstGeom prst="rect">
             <a:avLst/>
@@ -5162,7 +5162,7 @@
               <a:rPr b="0" lang="en-US" sz="1400" spc="-1" strike="noStrike">
                 <a:latin typeface="Times New Roman"/>
               </a:rPr>
-              <a:t>&lt;date/time&gt;</a:t>
+              <a:t>01/18/2024</a:t>
             </a:r>
             <a:endParaRPr b="0" lang="en-US" sz="1400" spc="-1" strike="noStrike">
               <a:latin typeface="Times New Roman"/>
@@ -5453,7 +5453,7 @@
         <p:spPr>
           <a:xfrm>
             <a:off x="3124080" y="6356520"/>
-            <a:ext cx="2873880" cy="343440"/>
+            <a:ext cx="2873520" cy="343080"/>
           </a:xfrm>
           <a:prstGeom prst="rect">
             <a:avLst/>
@@ -5518,7 +5518,7 @@
         <p:spPr>
           <a:xfrm>
             <a:off x="6553080" y="6356520"/>
-            <a:ext cx="2112120" cy="343440"/>
+            <a:ext cx="2111760" cy="343080"/>
           </a:xfrm>
           <a:prstGeom prst="rect">
             <a:avLst/>
@@ -5554,7 +5554,7 @@
               </a:lnSpc>
               <a:buNone/>
             </a:pPr>
-            <a:fld id="{502C3E4D-6D53-4AF1-9EF9-D72A160FB875}" type="slidenum">
+            <a:fld id="{12466B06-54A7-4487-BF76-8733FB86D66A}" type="slidenum">
               <a:rPr b="0" lang="en-US" sz="1200" spc="-1" strike="noStrike">
                 <a:solidFill>
                   <a:srgbClr val="8b8b8b"/>
@@ -5583,7 +5583,7 @@
         <p:spPr>
           <a:xfrm>
             <a:off x="457200" y="6356520"/>
-            <a:ext cx="2112120" cy="343440"/>
+            <a:ext cx="2111760" cy="343080"/>
           </a:xfrm>
           <a:prstGeom prst="rect">
             <a:avLst/>
@@ -5893,7 +5893,7 @@
         <p:spPr>
           <a:xfrm>
             <a:off x="0" y="2130480"/>
-            <a:ext cx="9142200" cy="1448280"/>
+            <a:ext cx="9141840" cy="1447920"/>
           </a:xfrm>
           <a:prstGeom prst="rect">
             <a:avLst/>
@@ -5945,7 +5945,7 @@
         <p:spPr>
           <a:xfrm>
             <a:off x="1371600" y="4563360"/>
-            <a:ext cx="6379200" cy="673200"/>
+            <a:ext cx="6378840" cy="672840"/>
           </a:xfrm>
           <a:prstGeom prst="rect">
             <a:avLst/>
@@ -6001,7 +6001,7 @@
         <p:spPr>
           <a:xfrm>
             <a:off x="4212000" y="3645000"/>
-            <a:ext cx="920160" cy="891360"/>
+            <a:ext cx="919800" cy="891000"/>
           </a:xfrm>
           <a:prstGeom prst="rect">
             <a:avLst/>
@@ -6025,7 +6025,7 @@
         <p:txBody>
           <a:bodyPr/>
           <a:p>
-            <a:fld id="{F6EAEC1F-526A-4BC0-B36B-F162CAA25625}" type="slidenum">
+            <a:fld id="{AB31E16E-BE59-4196-A438-305C3769C89A}" type="slidenum">
               <a:t>1</a:t>
             </a:fld>
           </a:p>
@@ -6045,7 +6045,7 @@
         <p:txBody>
           <a:bodyPr/>
           <a:p>
-            <a:fld id="{36B247CD-3DAE-400B-B4EA-33B3FA744043}" type="datetime1">
+            <a:fld id="{DD5D9F84-A1AF-44AC-B009-B051BB7E3F88}" type="datetime1">
               <a:rPr lang="en-US"/>
               <a:t>01/18/2024</a:t>
             </a:fld>
@@ -6095,7 +6095,7 @@
         <p:spPr>
           <a:xfrm>
             <a:off x="0" y="0"/>
-            <a:ext cx="9141480" cy="743040"/>
+            <a:ext cx="9141120" cy="742680"/>
           </a:xfrm>
           <a:prstGeom prst="rect">
             <a:avLst/>
@@ -6155,7 +6155,7 @@
         <p:spPr>
           <a:xfrm>
             <a:off x="228600" y="1302120"/>
-            <a:ext cx="8667000" cy="4870080"/>
+            <a:ext cx="8666640" cy="5098680"/>
           </a:xfrm>
           <a:prstGeom prst="rect">
             <a:avLst/>
@@ -6277,7 +6277,7 @@
                 <a:latin typeface="Calibri"/>
                 <a:ea typeface="DejaVu Sans"/>
               </a:rPr>
-              <a:t>We will use Python, Keras, Tensorflow, and PyTorch (Optional).</a:t>
+              <a:t>We will use Python, Keras, Tensorflow, HuggingFace Encoder/Decoder, Google PaLM (Pathway Language Model), Llama (Large Large Model Meta AI), and PyTorch (Optional).</a:t>
             </a:r>
             <a:endParaRPr b="0" lang="en-US" sz="1300" spc="-1" strike="noStrike">
               <a:latin typeface="Arial"/>
@@ -6333,17 +6333,7 @@
                 <a:latin typeface="Calibri"/>
                 <a:ea typeface="DejaVu Sans"/>
               </a:rPr>
-              <a:t>1. Concepts in mathematics and statistics: </a:t>
-            </a:r>
-            <a:r>
-              <a:rPr b="0" lang="en-US" sz="1300" spc="-1" strike="noStrike">
-                <a:solidFill>
-                  <a:srgbClr val="000000"/>
-                </a:solidFill>
-                <a:latin typeface="Calibri"/>
-                <a:ea typeface="DejaVu Sans"/>
-              </a:rPr>
-              <a:t>In Machine Learning class, we use numpy library and scikit-learn library for matrix operation and statistical regression modeling. In Deep Learning, we will use them to convert the dataset into tensor.</a:t>
+              <a:t>1. Concepts in mathematics and statistics: In Machine Learning class, we use numpy library and scikit-learn library for matrix operation and statistical regression modeling. In Deep Learning, we will use them to convert the dataset into tensor.</a:t>
             </a:r>
             <a:endParaRPr b="0" lang="en-US" sz="1300" spc="-1" strike="noStrike">
               <a:latin typeface="Arial"/>
@@ -6399,7 +6389,7 @@
                 <a:latin typeface="Calibri"/>
                 <a:ea typeface="DejaVu Sans"/>
               </a:rPr>
-              <a:t>For porojects:</a:t>
+              <a:t>For projects:</a:t>
             </a:r>
             <a:endParaRPr b="0" lang="en-US" sz="1300" spc="-1" strike="noStrike">
               <a:latin typeface="Arial"/>
@@ -6500,7 +6490,7 @@
         <p:spPr>
           <a:xfrm>
             <a:off x="2880" y="759600"/>
-            <a:ext cx="9138600" cy="338400"/>
+            <a:ext cx="9138240" cy="338040"/>
           </a:xfrm>
           <a:prstGeom prst="rect">
             <a:avLst/>
@@ -6566,7 +6556,7 @@
         <p:spPr>
           <a:xfrm>
             <a:off x="6553080" y="6356520"/>
-            <a:ext cx="2112120" cy="343440"/>
+            <a:ext cx="2111760" cy="343080"/>
           </a:xfrm>
           <a:prstGeom prst="rect">
             <a:avLst/>
@@ -6602,7 +6592,7 @@
               </a:lnSpc>
               <a:buNone/>
             </a:pPr>
-            <a:fld id="{22C48031-7349-427B-BE74-971C254FAC36}" type="slidenum">
+            <a:fld id="{20EDA207-C253-4E3E-8CF5-2C38AE4A8D7D}" type="slidenum">
               <a:rPr b="0" lang="en-US" sz="1200" spc="-1" strike="noStrike">
                 <a:solidFill>
                   <a:srgbClr val="8b8b8b"/>
@@ -6632,7 +6622,7 @@
         <p:txBody>
           <a:bodyPr/>
           <a:p>
-            <a:fld id="{9C66E8AA-B229-4114-8869-453891DF0F97}" type="datetime1">
+            <a:fld id="{C7666EA8-7B82-4D1E-B98D-E3C712E3D6C1}" type="datetime1">
               <a:rPr lang="en-US"/>
               <a:t>01/18/2024</a:t>
             </a:fld>
@@ -6682,7 +6672,7 @@
         <p:spPr>
           <a:xfrm>
             <a:off x="0" y="2130480"/>
-            <a:ext cx="9122400" cy="1448280"/>
+            <a:ext cx="9122040" cy="1447920"/>
           </a:xfrm>
           <a:prstGeom prst="rect">
             <a:avLst/>
@@ -6743,7 +6733,7 @@
         <p:txBody>
           <a:bodyPr/>
           <a:p>
-            <a:fld id="{FF563B95-1BC1-4855-91F6-82E32409E3EE}" type="slidenum">
+            <a:fld id="{945CD8CF-C110-41A2-B53F-249A136BD6DC}" type="slidenum">
               <a:t>3</a:t>
             </a:fld>
           </a:p>
@@ -6763,7 +6753,7 @@
         <p:txBody>
           <a:bodyPr/>
           <a:p>
-            <a:fld id="{3EB23C45-1AE7-4998-8DA3-39331EAC6823}" type="datetime1">
+            <a:fld id="{77905E09-4956-45C6-B5B3-86A8AD85B037}" type="datetime1">
               <a:rPr lang="en-US"/>
               <a:t>01/18/2024</a:t>
             </a:fld>
